--- a/.slides/topics/13_reproducibility.pptx
+++ b/.slides/topics/13_reproducibility.pptx
@@ -8,15 +8,15 @@
     <p:sldId id="256" r:id="rId2"/>
     <p:sldId id="257" r:id="rId3"/>
     <p:sldId id="258" r:id="rId4"/>
-    <p:sldId id="259" r:id="rId5"/>
-    <p:sldId id="260" r:id="rId6"/>
-    <p:sldId id="261" r:id="rId7"/>
-    <p:sldId id="262" r:id="rId8"/>
-    <p:sldId id="263" r:id="rId9"/>
-    <p:sldId id="264" r:id="rId10"/>
-    <p:sldId id="265" r:id="rId11"/>
-    <p:sldId id="266" r:id="rId12"/>
-    <p:sldId id="267" r:id="rId13"/>
+    <p:sldId id="260" r:id="rId5"/>
+    <p:sldId id="261" r:id="rId6"/>
+    <p:sldId id="262" r:id="rId7"/>
+    <p:sldId id="263" r:id="rId8"/>
+    <p:sldId id="264" r:id="rId9"/>
+    <p:sldId id="265" r:id="rId10"/>
+    <p:sldId id="266" r:id="rId11"/>
+    <p:sldId id="267" r:id="rId12"/>
+    <p:sldId id="271" r:id="rId13"/>
   </p:sldIdLst>
   <p:sldSz cx="12192000" cy="6858000"/>
   <p:notesSz cx="6858000" cy="9144000"/>
@@ -3482,6 +3482,53 @@
           </a:p>
         </p:txBody>
       </p:sp>
+      <p:pic>
+        <p:nvPicPr>
+          <p:cNvPr id="1026" name="Picture 2">
+            <a:extLst>
+              <a:ext uri="{FF2B5EF4-FFF2-40B4-BE49-F238E27FC236}">
+                <a16:creationId xmlns:a16="http://schemas.microsoft.com/office/drawing/2014/main" id="{7FDB309C-9760-AA86-7826-F4745A235269}"/>
+              </a:ext>
+            </a:extLst>
+          </p:cNvPr>
+          <p:cNvPicPr>
+            <a:picLocks noChangeAspect="1" noChangeArrowheads="1"/>
+          </p:cNvPicPr>
+          <p:nvPr/>
+        </p:nvPicPr>
+        <p:blipFill>
+          <a:blip r:embed="rId3">
+            <a:extLst>
+              <a:ext uri="{28A0092B-C50C-407E-A947-70E740481C1C}">
+                <a14:useLocalDpi xmlns:a14="http://schemas.microsoft.com/office/drawing/2010/main" val="0"/>
+              </a:ext>
+            </a:extLst>
+          </a:blip>
+          <a:srcRect/>
+          <a:stretch>
+            <a:fillRect/>
+          </a:stretch>
+        </p:blipFill>
+        <p:spPr bwMode="auto">
+          <a:xfrm>
+            <a:off x="8146931" y="301718"/>
+            <a:ext cx="3600000" cy="2400000"/>
+          </a:xfrm>
+          <a:prstGeom prst="rect">
+            <a:avLst/>
+          </a:prstGeom>
+          <a:noFill/>
+          <a:extLst>
+            <a:ext uri="{909E8E84-426E-40DD-AFC4-6F175D3DCCD1}">
+              <a14:hiddenFill xmlns:a14="http://schemas.microsoft.com/office/drawing/2010/main">
+                <a:solidFill>
+                  <a:srgbClr val="FFFFFF"/>
+                </a:solidFill>
+              </a14:hiddenFill>
+            </a:ext>
+          </a:extLst>
+        </p:spPr>
+      </p:pic>
     </p:spTree>
   </p:cSld>
   <p:clrMapOvr>
@@ -3532,7 +3579,7 @@
               <a:buNone/>
             </a:pPr>
             <a:r>
-              <a:t>Documentation Best Practices</a:t>
+              <a:t>Project Structure Template</a:t>
             </a:r>
           </a:p>
         </p:txBody>
@@ -3553,36 +3600,75 @@
             <p:ph idx="1"/>
           </p:nvPr>
         </p:nvSpPr>
-        <p:spPr/>
-        <p:txBody>
-          <a:bodyPr/>
-          <a:lstStyle/>
-          <a:p>
-            <a:pPr lvl="0"/>
-            <a:r>
-              <a:t>Comprehensive information including all necessary details</a:t>
-            </a:r>
-          </a:p>
-          <a:p>
-            <a:pPr lvl="0"/>
-            <a:r>
-              <a:t>Clear language avoiding jargon when possible</a:t>
-            </a:r>
-          </a:p>
-          <a:p>
-            <a:pPr lvl="0"/>
-            <a:r>
-              <a:t>Current documentation updated as project evolves</a:t>
-            </a:r>
-          </a:p>
-          <a:p>
-            <a:pPr lvl="0"/>
-            <a:r>
-              <a:t>Accessible storage with project files</a:t>
-            </a:r>
-          </a:p>
-        </p:txBody>
-      </p:sp>
+        <p:spPr>
+          <a:xfrm>
+            <a:off x="838200" y="1825625"/>
+            <a:ext cx="6592503" cy="4351338"/>
+          </a:xfrm>
+        </p:spPr>
+        <p:txBody>
+          <a:bodyPr/>
+          <a:lstStyle/>
+          <a:p>
+            <a:pPr lvl="0"/>
+            <a:r>
+              <a:rPr dirty="0"/>
+              <a:t>README.md with project overview and instructions</a:t>
+            </a:r>
+          </a:p>
+          <a:p>
+            <a:pPr lvl="0"/>
+            <a:r>
+              <a:rPr dirty="0"/>
+              <a:t>data/ folder with raw/ and processed/ subfolders</a:t>
+            </a:r>
+          </a:p>
+          <a:p>
+            <a:pPr lvl="0"/>
+            <a:r>
+              <a:rPr dirty="0"/>
+              <a:t>code/ folder with numbered analysis scripts</a:t>
+            </a:r>
+          </a:p>
+          <a:p>
+            <a:pPr lvl="0"/>
+            <a:r>
+              <a:rPr dirty="0"/>
+              <a:t>results/ folder for figures/ and tables/</a:t>
+            </a:r>
+          </a:p>
+        </p:txBody>
+      </p:sp>
+      <p:pic>
+        <p:nvPicPr>
+          <p:cNvPr id="5" name="Picture 4">
+            <a:extLst>
+              <a:ext uri="{FF2B5EF4-FFF2-40B4-BE49-F238E27FC236}">
+                <a16:creationId xmlns:a16="http://schemas.microsoft.com/office/drawing/2014/main" id="{4192C6B2-F65B-56FD-8DEA-4AEE9B9520B3}"/>
+              </a:ext>
+            </a:extLst>
+          </p:cNvPr>
+          <p:cNvPicPr>
+            <a:picLocks noChangeAspect="1"/>
+          </p:cNvPicPr>
+          <p:nvPr/>
+        </p:nvPicPr>
+        <p:blipFill>
+          <a:blip r:embed="rId2"/>
+          <a:stretch>
+            <a:fillRect/>
+          </a:stretch>
+        </p:blipFill>
+        <p:spPr>
+          <a:xfrm>
+            <a:off x="7267074" y="1733314"/>
+            <a:ext cx="4723036" cy="3271208"/>
+          </a:xfrm>
+          <a:prstGeom prst="rect">
+            <a:avLst/>
+          </a:prstGeom>
+        </p:spPr>
+      </p:pic>
     </p:spTree>
   </p:cSld>
   <p:clrMapOvr>
@@ -3633,7 +3719,7 @@
               <a:buNone/>
             </a:pPr>
             <a:r>
-              <a:t>Project Structure Template</a:t>
+              <a:t>Version Control Integration</a:t>
             </a:r>
           </a:p>
         </p:txBody>
@@ -3661,25 +3747,25 @@
           <a:p>
             <a:pPr lvl="0"/>
             <a:r>
-              <a:t>README.md with project overview and instructions</a:t>
-            </a:r>
-          </a:p>
-          <a:p>
-            <a:pPr lvl="0"/>
-            <a:r>
-              <a:t>data/ folder with raw/ and processed/ subfolders</a:t>
-            </a:r>
-          </a:p>
-          <a:p>
-            <a:pPr lvl="0"/>
-            <a:r>
-              <a:t>code/ folder with numbered analysis scripts</a:t>
-            </a:r>
-          </a:p>
-          <a:p>
-            <a:pPr lvl="0"/>
-            <a:r>
-              <a:t>results/ folder for figures/ and tables/</a:t>
+              <a:t>Track changes to code and documentation over time</a:t>
+            </a:r>
+          </a:p>
+          <a:p>
+            <a:pPr lvl="0"/>
+            <a:r>
+              <a:t>Enable collaboration without file conflicts</a:t>
+            </a:r>
+          </a:p>
+          <a:p>
+            <a:pPr lvl="0"/>
+            <a:r>
+              <a:t>Ability to revert to previous versions if needed</a:t>
+            </a:r>
+          </a:p>
+          <a:p>
+            <a:pPr lvl="0"/>
+            <a:r>
+              <a:t>Essential component of modern reproducible research</a:t>
             </a:r>
           </a:p>
         </p:txBody>
@@ -3734,57 +3820,47 @@
               <a:buNone/>
             </a:pPr>
             <a:r>
-              <a:t>Version Control Integration</a:t>
-            </a:r>
-          </a:p>
-        </p:txBody>
-      </p:sp>
-      <p:sp>
-        <p:nvSpPr>
-          <p:cNvPr id="3" name="Content Placeholder 2">
-            <a:extLst>
-              <a:ext uri="{FF2B5EF4-FFF2-40B4-BE49-F238E27FC236}">
-                <a16:creationId xmlns:a16="http://schemas.microsoft.com/office/drawing/2014/main" id="{51C3FE42-1672-993E-68F1-5E07C2E42057}"/>
-              </a:ext>
-            </a:extLst>
-          </p:cNvPr>
-          <p:cNvSpPr>
-            <a:spLocks noGrp="1"/>
-          </p:cNvSpPr>
-          <p:nvPr>
-            <p:ph idx="1"/>
-          </p:nvPr>
-        </p:nvSpPr>
-        <p:spPr/>
-        <p:txBody>
-          <a:bodyPr/>
-          <a:lstStyle/>
-          <a:p>
-            <a:pPr lvl="0"/>
-            <a:r>
-              <a:t>Track changes to code and documentation over time</a:t>
-            </a:r>
-          </a:p>
-          <a:p>
-            <a:pPr lvl="0"/>
-            <a:r>
-              <a:t>Enable collaboration without file conflicts</a:t>
-            </a:r>
-          </a:p>
-          <a:p>
-            <a:pPr lvl="0"/>
-            <a:r>
-              <a:t>Ability to revert to previous versions if needed</a:t>
-            </a:r>
-          </a:p>
-          <a:p>
-            <a:pPr lvl="0"/>
-            <a:r>
-              <a:t>Essential component of modern reproducible research</a:t>
-            </a:r>
-          </a:p>
-        </p:txBody>
-      </p:sp>
+              <a:t>Practice Exercises</a:t>
+            </a:r>
+          </a:p>
+        </p:txBody>
+      </p:sp>
+      <p:pic>
+        <p:nvPicPr>
+          <p:cNvPr id="6" name="Picture 5" descr="A cat sitting on a computer&#10;&#10;AI-generated content may be incorrect.">
+            <a:extLst>
+              <a:ext uri="{FF2B5EF4-FFF2-40B4-BE49-F238E27FC236}">
+                <a16:creationId xmlns:a16="http://schemas.microsoft.com/office/drawing/2014/main" id="{D2E0F507-A649-BEC3-934D-D62F9A7982A2}"/>
+              </a:ext>
+            </a:extLst>
+          </p:cNvPr>
+          <p:cNvPicPr>
+            <a:picLocks noChangeAspect="1"/>
+          </p:cNvPicPr>
+          <p:nvPr/>
+        </p:nvPicPr>
+        <p:blipFill>
+          <a:blip r:embed="rId2">
+            <a:extLst>
+              <a:ext uri="{28A0092B-C50C-407E-A947-70E740481C1C}">
+                <a14:useLocalDpi xmlns:a14="http://schemas.microsoft.com/office/drawing/2010/main" val="0"/>
+              </a:ext>
+            </a:extLst>
+          </a:blip>
+          <a:stretch>
+            <a:fillRect/>
+          </a:stretch>
+        </p:blipFill>
+        <p:spPr>
+          <a:xfrm>
+            <a:off x="2154453" y="1417320"/>
+            <a:ext cx="7883093" cy="5255395"/>
+          </a:xfrm>
+          <a:prstGeom prst="rect">
+            <a:avLst/>
+          </a:prstGeom>
+        </p:spPr>
+      </p:pic>
     </p:spTree>
   </p:cSld>
   <p:clrMapOvr>
@@ -4037,7 +4113,7 @@
               <a:buNone/>
             </a:pPr>
             <a:r>
-              <a:t>Definition and Benefits</a:t>
+              <a:t>Components of Reproducible Workflows</a:t>
             </a:r>
           </a:p>
         </p:txBody>
@@ -4065,25 +4141,25 @@
           <a:p>
             <a:pPr lvl="0"/>
             <a:r>
-              <a:t>Analysis can be recreated using same data and methods</a:t>
-            </a:r>
-          </a:p>
-          <a:p>
-            <a:pPr lvl="0"/>
-            <a:r>
-              <a:t>Others can confirm your findings</a:t>
-            </a:r>
-          </a:p>
-          <a:p>
-            <a:pPr lvl="0"/>
-            <a:r>
-              <a:t>Team members can understand and contribute</a:t>
-            </a:r>
-          </a:p>
-          <a:p>
-            <a:pPr lvl="0"/>
-            <a:r>
-              <a:t>You can revisit and build upon your own work</a:t>
+              <a:t>Documented code with clear comments and structure</a:t>
+            </a:r>
+          </a:p>
+          <a:p>
+            <a:pPr lvl="0"/>
+            <a:r>
+              <a:t>Version control systems like Git for tracking changes</a:t>
+            </a:r>
+          </a:p>
+          <a:p>
+            <a:pPr lvl="0"/>
+            <a:r>
+              <a:t>Environment management for consistent software conditions</a:t>
+            </a:r>
+          </a:p>
+          <a:p>
+            <a:pPr lvl="0"/>
+            <a:r>
+              <a:t>Proper data management with preserved raw data</a:t>
             </a:r>
           </a:p>
         </p:txBody>
@@ -4138,7 +4214,7 @@
               <a:buNone/>
             </a:pPr>
             <a:r>
-              <a:t>Components of Reproducible Workflows</a:t>
+              <a:t>Code Documentation Standards</a:t>
             </a:r>
           </a:p>
         </p:txBody>
@@ -4166,25 +4242,25 @@
           <a:p>
             <a:pPr lvl="0"/>
             <a:r>
-              <a:t>Documented code with clear comments and structure</a:t>
-            </a:r>
-          </a:p>
-          <a:p>
-            <a:pPr lvl="0"/>
-            <a:r>
-              <a:t>Version control systems like Git for tracking changes</a:t>
-            </a:r>
-          </a:p>
-          <a:p>
-            <a:pPr lvl="0"/>
-            <a:r>
-              <a:t>Environment management for consistent software conditions</a:t>
-            </a:r>
-          </a:p>
-          <a:p>
-            <a:pPr lvl="0"/>
-            <a:r>
-              <a:t>Proper data management with preserved raw data</a:t>
+              <a:t>Clear purpose statements and input/output descriptions</a:t>
+            </a:r>
+          </a:p>
+          <a:p>
+            <a:pPr lvl="0"/>
+            <a:r>
+              <a:t>Parameter explanations and usage examples</a:t>
+            </a:r>
+          </a:p>
+          <a:p>
+            <a:pPr lvl="0"/>
+            <a:r>
+              <a:t>Error checking and validation within functions</a:t>
+            </a:r>
+          </a:p>
+          <a:p>
+            <a:pPr lvl="0"/>
+            <a:r>
+              <a:t>Comments explaining why, not just what code does</a:t>
             </a:r>
           </a:p>
         </p:txBody>
@@ -4239,7 +4315,7 @@
               <a:buNone/>
             </a:pPr>
             <a:r>
-              <a:t>Code Documentation Standards</a:t>
+              <a:t>Environment Management</a:t>
             </a:r>
           </a:p>
         </p:txBody>
@@ -4267,25 +4343,60 @@
           <a:p>
             <a:pPr lvl="0"/>
             <a:r>
-              <a:t>Clear purpose statements and input/output descriptions</a:t>
-            </a:r>
-          </a:p>
-          <a:p>
-            <a:pPr lvl="0"/>
-            <a:r>
-              <a:t>Parameter explanations and usage examples</a:t>
-            </a:r>
-          </a:p>
-          <a:p>
-            <a:pPr lvl="0"/>
-            <a:r>
-              <a:t>Error checking and validation within functions</a:t>
-            </a:r>
-          </a:p>
-          <a:p>
-            <a:pPr lvl="0"/>
-            <a:r>
-              <a:t>Comments explaining why, not just what code does</a:t>
+              <a:t>Document software environment for recreation</a:t>
+            </a:r>
+          </a:p>
+          <a:p>
+            <a:pPr lvl="0"/>
+            <a:r>
+              <a:t>Use sessionInfo() to capture package versions</a:t>
+            </a:r>
+          </a:p>
+          <a:p>
+            <a:pPr lvl="0"/>
+            <a:r>
+              <a:t>Consider renv package for project-specific environments</a:t>
+            </a:r>
+          </a:p>
+          <a:p>
+            <a:pPr lvl="0"/>
+            <a:r>
+              <a:t>Ensure others can recreate same conditions</a:t>
+            </a:r>
+          </a:p>
+        </p:txBody>
+      </p:sp>
+      <p:sp>
+        <p:nvSpPr>
+          <p:cNvPr id="4" name="TextBox 3">
+            <a:extLst>
+              <a:ext uri="{FF2B5EF4-FFF2-40B4-BE49-F238E27FC236}">
+                <a16:creationId xmlns:a16="http://schemas.microsoft.com/office/drawing/2014/main" id="{156EE4F2-A86E-8D66-4EC9-667CE693CF5C}"/>
+              </a:ext>
+            </a:extLst>
+          </p:cNvPr>
+          <p:cNvSpPr txBox="1"/>
+          <p:nvPr/>
+        </p:nvSpPr>
+        <p:spPr>
+          <a:xfrm>
+            <a:off x="3821503" y="4735902"/>
+            <a:ext cx="3377207" cy="584775"/>
+          </a:xfrm>
+          <a:prstGeom prst="rect">
+            <a:avLst/>
+          </a:prstGeom>
+          <a:noFill/>
+        </p:spPr>
+        <p:txBody>
+          <a:bodyPr wrap="none" rtlCol="0">
+            <a:spAutoFit/>
+          </a:bodyPr>
+          <a:lstStyle/>
+          <a:p>
+            <a:r>
+              <a:rPr lang="en-GB" sz="3200" b="1" dirty="0"/>
+              <a:t>&lt;demonstration&gt;</a:t>
             </a:r>
           </a:p>
         </p:txBody>
@@ -4340,7 +4451,7 @@
               <a:buNone/>
             </a:pPr>
             <a:r>
-              <a:t>Environment Management</a:t>
+              <a:t>Data Management Principles</a:t>
             </a:r>
           </a:p>
         </p:txBody>
@@ -4368,25 +4479,25 @@
           <a:p>
             <a:pPr lvl="0"/>
             <a:r>
-              <a:t>Document software environment for recreation</a:t>
-            </a:r>
-          </a:p>
-          <a:p>
-            <a:pPr lvl="0"/>
-            <a:r>
-              <a:t>Use sessionInfo() to capture package versions</a:t>
-            </a:r>
-          </a:p>
-          <a:p>
-            <a:pPr lvl="0"/>
-            <a:r>
-              <a:t>Consider renv package for project-specific environments</a:t>
-            </a:r>
-          </a:p>
-          <a:p>
-            <a:pPr lvl="0"/>
-            <a:r>
-              <a:t>Ensure others can recreate same conditions</a:t>
+              <a:t>Raw data preservation (never modify originals)</a:t>
+            </a:r>
+          </a:p>
+          <a:p>
+            <a:pPr lvl="0"/>
+            <a:r>
+              <a:t>Data cleaning scripts documenting all transformations</a:t>
+            </a:r>
+          </a:p>
+          <a:p>
+            <a:pPr lvl="0"/>
+            <a:r>
+              <a:t>Clear data documentation and metadata</a:t>
+            </a:r>
+          </a:p>
+          <a:p>
+            <a:pPr lvl="0"/>
+            <a:r>
+              <a:t>Transparent pipeline from raw to analysis-ready data</a:t>
             </a:r>
           </a:p>
         </p:txBody>
@@ -4441,7 +4552,7 @@
               <a:buNone/>
             </a:pPr>
             <a:r>
-              <a:t>Data Management Principles</a:t>
+              <a:t>File Organization Strategies</a:t>
             </a:r>
           </a:p>
         </p:txBody>
@@ -4462,36 +4573,75 @@
             <p:ph idx="1"/>
           </p:nvPr>
         </p:nvSpPr>
-        <p:spPr/>
-        <p:txBody>
-          <a:bodyPr/>
-          <a:lstStyle/>
-          <a:p>
-            <a:pPr lvl="0"/>
-            <a:r>
-              <a:t>Raw data preservation (never modify originals)</a:t>
-            </a:r>
-          </a:p>
-          <a:p>
-            <a:pPr lvl="0"/>
-            <a:r>
-              <a:t>Data cleaning scripts documenting all transformations</a:t>
-            </a:r>
-          </a:p>
-          <a:p>
-            <a:pPr lvl="0"/>
-            <a:r>
-              <a:t>Clear data documentation and metadata</a:t>
-            </a:r>
-          </a:p>
-          <a:p>
-            <a:pPr lvl="0"/>
-            <a:r>
-              <a:t>Transparent pipeline from raw to analysis-ready data</a:t>
-            </a:r>
-          </a:p>
-        </p:txBody>
-      </p:sp>
+        <p:spPr>
+          <a:xfrm>
+            <a:off x="838200" y="1825625"/>
+            <a:ext cx="6419248" cy="4351338"/>
+          </a:xfrm>
+        </p:spPr>
+        <p:txBody>
+          <a:bodyPr/>
+          <a:lstStyle/>
+          <a:p>
+            <a:pPr lvl="0"/>
+            <a:r>
+              <a:rPr dirty="0"/>
+              <a:t>Clear directory structure with logical separation</a:t>
+            </a:r>
+          </a:p>
+          <a:p>
+            <a:pPr lvl="0"/>
+            <a:r>
+              <a:rPr dirty="0"/>
+              <a:t>Numbered scripts indicating workflow order</a:t>
+            </a:r>
+          </a:p>
+          <a:p>
+            <a:pPr lvl="0"/>
+            <a:r>
+              <a:rPr dirty="0"/>
+              <a:t>Separate folders for data, code, results, documentation</a:t>
+            </a:r>
+          </a:p>
+          <a:p>
+            <a:pPr lvl="0"/>
+            <a:r>
+              <a:rPr dirty="0"/>
+              <a:t>README files explaining project structure and usage</a:t>
+            </a:r>
+          </a:p>
+        </p:txBody>
+      </p:sp>
+      <p:pic>
+        <p:nvPicPr>
+          <p:cNvPr id="5" name="Picture 4">
+            <a:extLst>
+              <a:ext uri="{FF2B5EF4-FFF2-40B4-BE49-F238E27FC236}">
+                <a16:creationId xmlns:a16="http://schemas.microsoft.com/office/drawing/2014/main" id="{F47DEC26-F5B3-6E27-DEEA-65FBED44F6C6}"/>
+              </a:ext>
+            </a:extLst>
+          </p:cNvPr>
+          <p:cNvPicPr>
+            <a:picLocks noChangeAspect="1"/>
+          </p:cNvPicPr>
+          <p:nvPr/>
+        </p:nvPicPr>
+        <p:blipFill>
+          <a:blip r:embed="rId2"/>
+          <a:stretch>
+            <a:fillRect/>
+          </a:stretch>
+        </p:blipFill>
+        <p:spPr>
+          <a:xfrm>
+            <a:off x="7118893" y="2075699"/>
+            <a:ext cx="4889041" cy="3304824"/>
+          </a:xfrm>
+          <a:prstGeom prst="rect">
+            <a:avLst/>
+          </a:prstGeom>
+        </p:spPr>
+      </p:pic>
     </p:spTree>
   </p:cSld>
   <p:clrMapOvr>
@@ -4542,7 +4692,7 @@
               <a:buNone/>
             </a:pPr>
             <a:r>
-              <a:t>File Organization Strategies</a:t>
+              <a:t>Documentation Best Practices</a:t>
             </a:r>
           </a:p>
         </p:txBody>
@@ -4570,25 +4720,25 @@
           <a:p>
             <a:pPr lvl="0"/>
             <a:r>
-              <a:t>Clear directory structure with logical separation</a:t>
-            </a:r>
-          </a:p>
-          <a:p>
-            <a:pPr lvl="0"/>
-            <a:r>
-              <a:t>Numbered scripts indicating workflow order</a:t>
-            </a:r>
-          </a:p>
-          <a:p>
-            <a:pPr lvl="0"/>
-            <a:r>
-              <a:t>Separate folders for data, code, results, documentation</a:t>
-            </a:r>
-          </a:p>
-          <a:p>
-            <a:pPr lvl="0"/>
-            <a:r>
-              <a:t>README files explaining project structure and usage</a:t>
+              <a:t>Comprehensive information including all necessary details</a:t>
+            </a:r>
+          </a:p>
+          <a:p>
+            <a:pPr lvl="0"/>
+            <a:r>
+              <a:t>Clear language avoiding jargon when possible</a:t>
+            </a:r>
+          </a:p>
+          <a:p>
+            <a:pPr lvl="0"/>
+            <a:r>
+              <a:t>Current documentation updated as project evolves</a:t>
+            </a:r>
+          </a:p>
+          <a:p>
+            <a:pPr lvl="0"/>
+            <a:r>
+              <a:t>Accessible storage with project files</a:t>
             </a:r>
           </a:p>
         </p:txBody>
